--- a/trunk/SCRUM_TeamB.pptx
+++ b/trunk/SCRUM_TeamB.pptx
@@ -410,7 +410,7 @@
             <a:fld id="{93C0FC53-6230-4DD7-93C5-E401AD4E1701}" type="datetimeFigureOut">
               <a:rPr lang="en-US" smtClean="0"/>
               <a:pPr/>
-              <a:t>6/4/2009</a:t>
+              <a:t>6/5/2009</a:t>
             </a:fld>
             <a:endParaRPr lang="en-US"/>
           </a:p>
@@ -603,7 +603,7 @@
             <a:fld id="{93C0FC53-6230-4DD7-93C5-E401AD4E1701}" type="datetimeFigureOut">
               <a:rPr lang="en-US" smtClean="0"/>
               <a:pPr/>
-              <a:t>6/4/2009</a:t>
+              <a:t>6/5/2009</a:t>
             </a:fld>
             <a:endParaRPr lang="en-US"/>
           </a:p>
@@ -790,7 +790,7 @@
             <a:fld id="{93C0FC53-6230-4DD7-93C5-E401AD4E1701}" type="datetimeFigureOut">
               <a:rPr lang="en-US" smtClean="0"/>
               <a:pPr/>
-              <a:t>6/4/2009</a:t>
+              <a:t>6/5/2009</a:t>
             </a:fld>
             <a:endParaRPr lang="en-US"/>
           </a:p>
@@ -1055,7 +1055,7 @@
             <a:fld id="{93C0FC53-6230-4DD7-93C5-E401AD4E1701}" type="datetimeFigureOut">
               <a:rPr lang="en-US" smtClean="0"/>
               <a:pPr/>
-              <a:t>6/4/2009</a:t>
+              <a:t>6/5/2009</a:t>
             </a:fld>
             <a:endParaRPr lang="en-US"/>
           </a:p>
@@ -1473,7 +1473,7 @@
             <a:fld id="{93C0FC53-6230-4DD7-93C5-E401AD4E1701}" type="datetimeFigureOut">
               <a:rPr lang="en-US" smtClean="0"/>
               <a:pPr/>
-              <a:t>6/4/2009</a:t>
+              <a:t>6/5/2009</a:t>
             </a:fld>
             <a:endParaRPr lang="en-US"/>
           </a:p>
@@ -1717,7 +1717,7 @@
             <a:fld id="{93C0FC53-6230-4DD7-93C5-E401AD4E1701}" type="datetimeFigureOut">
               <a:rPr lang="en-US" smtClean="0"/>
               <a:pPr/>
-              <a:t>6/4/2009</a:t>
+              <a:t>6/5/2009</a:t>
             </a:fld>
             <a:endParaRPr lang="en-US"/>
           </a:p>
@@ -1955,7 +1955,7 @@
             <a:fld id="{93C0FC53-6230-4DD7-93C5-E401AD4E1701}" type="datetimeFigureOut">
               <a:rPr lang="en-US" smtClean="0"/>
               <a:pPr/>
-              <a:t>6/4/2009</a:t>
+              <a:t>6/5/2009</a:t>
             </a:fld>
             <a:endParaRPr lang="en-US"/>
           </a:p>
@@ -2152,7 +2152,7 @@
             <a:fld id="{93C0FC53-6230-4DD7-93C5-E401AD4E1701}" type="datetimeFigureOut">
               <a:rPr lang="en-US" smtClean="0"/>
               <a:pPr/>
-              <a:t>6/4/2009</a:t>
+              <a:t>6/5/2009</a:t>
             </a:fld>
             <a:endParaRPr lang="en-US"/>
           </a:p>
@@ -2252,7 +2252,7 @@
             <a:fld id="{93C0FC53-6230-4DD7-93C5-E401AD4E1701}" type="datetimeFigureOut">
               <a:rPr lang="en-US" smtClean="0"/>
               <a:pPr/>
-              <a:t>6/4/2009</a:t>
+              <a:t>6/5/2009</a:t>
             </a:fld>
             <a:endParaRPr lang="en-US"/>
           </a:p>
@@ -2390,7 +2390,7 @@
             <a:fld id="{93C0FC53-6230-4DD7-93C5-E401AD4E1701}" type="datetimeFigureOut">
               <a:rPr lang="en-US" smtClean="0"/>
               <a:pPr/>
-              <a:t>6/4/2009</a:t>
+              <a:t>6/5/2009</a:t>
             </a:fld>
             <a:endParaRPr lang="en-US"/>
           </a:p>
@@ -2910,7 +2910,7 @@
             <a:fld id="{93C0FC53-6230-4DD7-93C5-E401AD4E1701}" type="datetimeFigureOut">
               <a:rPr lang="en-US" smtClean="0"/>
               <a:pPr/>
-              <a:t>6/4/2009</a:t>
+              <a:t>6/5/2009</a:t>
             </a:fld>
             <a:endParaRPr lang="en-US"/>
           </a:p>
@@ -3173,7 +3173,7 @@
             <a:fld id="{93C0FC53-6230-4DD7-93C5-E401AD4E1701}" type="datetimeFigureOut">
               <a:rPr lang="en-US" smtClean="0"/>
               <a:pPr/>
-              <a:t>6/4/2009</a:t>
+              <a:t>6/5/2009</a:t>
             </a:fld>
             <a:endParaRPr lang="en-US"/>
           </a:p>
@@ -3969,11 +3969,7 @@
           <a:p>
             <a:r>
               <a:rPr lang="en-US" dirty="0" smtClean="0"/>
-              <a:t>Sprint Review </a:t>
-            </a:r>
-            <a:r>
-              <a:rPr lang="en-US" dirty="0" smtClean="0"/>
-              <a:t>Meeting (Danielle)</a:t>
+              <a:t>Sprint Review Meeting (Danielle)</a:t>
             </a:r>
             <a:endParaRPr lang="en-US" dirty="0"/>
           </a:p>
@@ -4092,7 +4088,21 @@
           <a:p>
             <a:r>
               <a:rPr lang="en-US" dirty="0" smtClean="0"/>
-              <a:t>Daily Stand Ups keep the team informed</a:t>
+              <a:t>Daily Stand Ups keep the team </a:t>
+            </a:r>
+            <a:r>
+              <a:rPr lang="en-US" dirty="0" smtClean="0"/>
+              <a:t>informed</a:t>
+            </a:r>
+          </a:p>
+          <a:p>
+            <a:r>
+              <a:rPr lang="en-US" dirty="0" smtClean="0"/>
+              <a:t>Keeping requirements locked down during sprints makes changing </a:t>
+            </a:r>
+            <a:r>
+              <a:rPr lang="en-US" smtClean="0"/>
+              <a:t>things harder</a:t>
             </a:r>
             <a:endParaRPr lang="en-US" dirty="0"/>
           </a:p>
@@ -4147,11 +4157,7 @@
           <a:p>
             <a:r>
               <a:rPr lang="en-US" dirty="0" smtClean="0"/>
-              <a:t>Product </a:t>
-            </a:r>
-            <a:r>
-              <a:rPr lang="en-US" dirty="0" smtClean="0"/>
-              <a:t>Owner (Kobie)</a:t>
+              <a:t>Product Owner (Kobie)</a:t>
             </a:r>
             <a:endParaRPr lang="en-US" dirty="0"/>
           </a:p>
@@ -4249,11 +4255,7 @@
           <a:p>
             <a:r>
               <a:rPr lang="en-US" dirty="0" smtClean="0"/>
-              <a:t>Product </a:t>
-            </a:r>
-            <a:r>
-              <a:rPr lang="en-US" dirty="0" smtClean="0"/>
-              <a:t>Backlog (Kobie)</a:t>
+              <a:t>Product Backlog (Kobie)</a:t>
             </a:r>
             <a:endParaRPr lang="en-US" dirty="0"/>
           </a:p>
@@ -4500,11 +4502,7 @@
             </a:r>
             <a:r>
               <a:rPr lang="en-US" dirty="0" smtClean="0"/>
-              <a:t>lanning </a:t>
-            </a:r>
-            <a:r>
-              <a:rPr lang="en-US" dirty="0" smtClean="0"/>
-              <a:t>Meeting (Nick)</a:t>
+              <a:t>lanning Meeting (Nick)</a:t>
             </a:r>
             <a:endParaRPr lang="en-US" dirty="0"/>
           </a:p>
@@ -4613,11 +4611,7 @@
           <a:p>
             <a:r>
               <a:rPr lang="en-US" dirty="0" smtClean="0"/>
-              <a:t>Sprint </a:t>
-            </a:r>
-            <a:r>
-              <a:rPr lang="en-US" dirty="0" smtClean="0"/>
-              <a:t>Backlog (Nick)</a:t>
+              <a:t>Sprint Backlog (Nick)</a:t>
             </a:r>
             <a:endParaRPr lang="en-US" dirty="0"/>
           </a:p>
@@ -4734,11 +4728,7 @@
           <a:p>
             <a:r>
               <a:rPr lang="en-US" dirty="0" smtClean="0"/>
-              <a:t>Scrum </a:t>
-            </a:r>
-            <a:r>
-              <a:rPr lang="en-US" dirty="0" smtClean="0"/>
-              <a:t>Master (Sarah)</a:t>
+              <a:t>Scrum Master (Sarah)</a:t>
             </a:r>
             <a:endParaRPr lang="en-US" dirty="0"/>
           </a:p>
@@ -4834,11 +4824,7 @@
           <a:p>
             <a:r>
               <a:rPr lang="en-US" dirty="0" smtClean="0"/>
-              <a:t>Scrum </a:t>
-            </a:r>
-            <a:r>
-              <a:rPr lang="en-US" dirty="0" smtClean="0"/>
-              <a:t>Team (Sarah)</a:t>
+              <a:t>Scrum Team (Sarah)</a:t>
             </a:r>
             <a:endParaRPr lang="en-US" dirty="0"/>
           </a:p>
@@ -4935,11 +4921,7 @@
           <a:p>
             <a:r>
               <a:rPr lang="en-US" dirty="0" smtClean="0"/>
-              <a:t>Daily Stand </a:t>
-            </a:r>
-            <a:r>
-              <a:rPr lang="en-US" dirty="0" smtClean="0"/>
-              <a:t>Up (Danielle)</a:t>
+              <a:t>Daily Stand Up (Danielle)</a:t>
             </a:r>
             <a:endParaRPr lang="en-US" dirty="0"/>
           </a:p>
